--- a/rules/rules.pptx
+++ b/rules/rules.pptx
@@ -13,9 +13,8 @@
     <p:sldId id="261" r:id="rId7"/>
     <p:sldId id="262" r:id="rId8"/>
     <p:sldId id="263" r:id="rId9"/>
-    <p:sldId id="264" r:id="rId10"/>
-    <p:sldId id="265" r:id="rId11"/>
-    <p:sldId id="266" r:id="rId12"/>
+    <p:sldId id="265" r:id="rId10"/>
+    <p:sldId id="266" r:id="rId11"/>
   </p:sldIdLst>
   <p:sldSz cx="12192000" cy="6858000"/>
   <p:notesSz cx="6858000" cy="9144000"/>
@@ -269,7 +268,7 @@
           <a:p>
             <a:fld id="{3318000D-2F5C-41C0-B824-2A8051A6F116}" type="datetimeFigureOut">
               <a:rPr lang="ru-RU" smtClean="0"/>
-              <a:t>10.07.2021</a:t>
+              <a:t>11.06.2023</a:t>
             </a:fld>
             <a:endParaRPr lang="ru-RU"/>
           </a:p>
@@ -467,7 +466,7 @@
           <a:p>
             <a:fld id="{3318000D-2F5C-41C0-B824-2A8051A6F116}" type="datetimeFigureOut">
               <a:rPr lang="ru-RU" smtClean="0"/>
-              <a:t>10.07.2021</a:t>
+              <a:t>11.06.2023</a:t>
             </a:fld>
             <a:endParaRPr lang="ru-RU"/>
           </a:p>
@@ -675,7 +674,7 @@
           <a:p>
             <a:fld id="{3318000D-2F5C-41C0-B824-2A8051A6F116}" type="datetimeFigureOut">
               <a:rPr lang="ru-RU" smtClean="0"/>
-              <a:t>10.07.2021</a:t>
+              <a:t>11.06.2023</a:t>
             </a:fld>
             <a:endParaRPr lang="ru-RU"/>
           </a:p>
@@ -873,7 +872,7 @@
           <a:p>
             <a:fld id="{3318000D-2F5C-41C0-B824-2A8051A6F116}" type="datetimeFigureOut">
               <a:rPr lang="ru-RU" smtClean="0"/>
-              <a:t>10.07.2021</a:t>
+              <a:t>11.06.2023</a:t>
             </a:fld>
             <a:endParaRPr lang="ru-RU"/>
           </a:p>
@@ -1148,7 +1147,7 @@
           <a:p>
             <a:fld id="{3318000D-2F5C-41C0-B824-2A8051A6F116}" type="datetimeFigureOut">
               <a:rPr lang="ru-RU" smtClean="0"/>
-              <a:t>10.07.2021</a:t>
+              <a:t>11.06.2023</a:t>
             </a:fld>
             <a:endParaRPr lang="ru-RU"/>
           </a:p>
@@ -1413,7 +1412,7 @@
           <a:p>
             <a:fld id="{3318000D-2F5C-41C0-B824-2A8051A6F116}" type="datetimeFigureOut">
               <a:rPr lang="ru-RU" smtClean="0"/>
-              <a:t>10.07.2021</a:t>
+              <a:t>11.06.2023</a:t>
             </a:fld>
             <a:endParaRPr lang="ru-RU"/>
           </a:p>
@@ -1825,7 +1824,7 @@
           <a:p>
             <a:fld id="{3318000D-2F5C-41C0-B824-2A8051A6F116}" type="datetimeFigureOut">
               <a:rPr lang="ru-RU" smtClean="0"/>
-              <a:t>10.07.2021</a:t>
+              <a:t>11.06.2023</a:t>
             </a:fld>
             <a:endParaRPr lang="ru-RU"/>
           </a:p>
@@ -1966,7 +1965,7 @@
           <a:p>
             <a:fld id="{3318000D-2F5C-41C0-B824-2A8051A6F116}" type="datetimeFigureOut">
               <a:rPr lang="ru-RU" smtClean="0"/>
-              <a:t>10.07.2021</a:t>
+              <a:t>11.06.2023</a:t>
             </a:fld>
             <a:endParaRPr lang="ru-RU"/>
           </a:p>
@@ -2079,7 +2078,7 @@
           <a:p>
             <a:fld id="{3318000D-2F5C-41C0-B824-2A8051A6F116}" type="datetimeFigureOut">
               <a:rPr lang="ru-RU" smtClean="0"/>
-              <a:t>10.07.2021</a:t>
+              <a:t>11.06.2023</a:t>
             </a:fld>
             <a:endParaRPr lang="ru-RU"/>
           </a:p>
@@ -2390,7 +2389,7 @@
           <a:p>
             <a:fld id="{3318000D-2F5C-41C0-B824-2A8051A6F116}" type="datetimeFigureOut">
               <a:rPr lang="ru-RU" smtClean="0"/>
-              <a:t>10.07.2021</a:t>
+              <a:t>11.06.2023</a:t>
             </a:fld>
             <a:endParaRPr lang="ru-RU"/>
           </a:p>
@@ -2678,7 +2677,7 @@
           <a:p>
             <a:fld id="{3318000D-2F5C-41C0-B824-2A8051A6F116}" type="datetimeFigureOut">
               <a:rPr lang="ru-RU" smtClean="0"/>
-              <a:t>10.07.2021</a:t>
+              <a:t>11.06.2023</a:t>
             </a:fld>
             <a:endParaRPr lang="ru-RU"/>
           </a:p>
@@ -2919,7 +2918,7 @@
           <a:p>
             <a:fld id="{3318000D-2F5C-41C0-B824-2A8051A6F116}" type="datetimeFigureOut">
               <a:rPr lang="ru-RU" smtClean="0"/>
-              <a:t>10.07.2021</a:t>
+              <a:t>11.06.2023</a:t>
             </a:fld>
             <a:endParaRPr lang="ru-RU"/>
           </a:p>
@@ -3566,193 +3565,6 @@
 </file>
 
 <file path=ppt/slides/slide10.xml><?xml version="1.0" encoding="utf-8"?>
-<p:sld xmlns:a="http://schemas.openxmlformats.org/drawingml/2006/main" xmlns:r="http://schemas.openxmlformats.org/officeDocument/2006/relationships" xmlns:p="http://schemas.openxmlformats.org/presentationml/2006/main">
-  <p:cSld>
-    <p:spTree>
-      <p:nvGrpSpPr>
-        <p:cNvPr id="1" name=""/>
-        <p:cNvGrpSpPr/>
-        <p:nvPr/>
-      </p:nvGrpSpPr>
-      <p:grpSpPr>
-        <a:xfrm>
-          <a:off x="0" y="0"/>
-          <a:ext cx="0" cy="0"/>
-          <a:chOff x="0" y="0"/>
-          <a:chExt cx="0" cy="0"/>
-        </a:xfrm>
-      </p:grpSpPr>
-      <p:sp>
-        <p:nvSpPr>
-          <p:cNvPr id="2" name="Прямоугольник 1">
-            <a:extLst>
-              <a:ext uri="{FF2B5EF4-FFF2-40B4-BE49-F238E27FC236}">
-                <a16:creationId xmlns:a16="http://schemas.microsoft.com/office/drawing/2014/main" id="{37527650-9524-4A0D-8F1E-7642AC651C5A}"/>
-              </a:ext>
-            </a:extLst>
-          </p:cNvPr>
-          <p:cNvSpPr/>
-          <p:nvPr/>
-        </p:nvSpPr>
-        <p:spPr>
-          <a:xfrm>
-            <a:off x="0" y="0"/>
-            <a:ext cx="12270658" cy="6858000"/>
-          </a:xfrm>
-          <a:prstGeom prst="rect">
-            <a:avLst/>
-          </a:prstGeom>
-          <a:solidFill>
-            <a:srgbClr val="FFF2CC"/>
-          </a:solidFill>
-          <a:ln>
-            <a:noFill/>
-          </a:ln>
-        </p:spPr>
-        <p:style>
-          <a:lnRef idx="2">
-            <a:schemeClr val="accent1">
-              <a:shade val="50000"/>
-            </a:schemeClr>
-          </a:lnRef>
-          <a:fillRef idx="1">
-            <a:schemeClr val="accent1"/>
-          </a:fillRef>
-          <a:effectRef idx="0">
-            <a:schemeClr val="accent1"/>
-          </a:effectRef>
-          <a:fontRef idx="minor">
-            <a:schemeClr val="lt1"/>
-          </a:fontRef>
-        </p:style>
-        <p:txBody>
-          <a:bodyPr rtlCol="0" anchor="ctr"/>
-          <a:lstStyle/>
-          <a:p>
-            <a:pPr algn="ctr"/>
-            <a:endParaRPr lang="ru-RU"/>
-          </a:p>
-        </p:txBody>
-      </p:sp>
-      <p:sp>
-        <p:nvSpPr>
-          <p:cNvPr id="3" name="TextBox 2">
-            <a:extLst>
-              <a:ext uri="{FF2B5EF4-FFF2-40B4-BE49-F238E27FC236}">
-                <a16:creationId xmlns:a16="http://schemas.microsoft.com/office/drawing/2014/main" id="{0206FF55-3201-4C6D-8FA5-E9EB74CBAC53}"/>
-              </a:ext>
-            </a:extLst>
-          </p:cNvPr>
-          <p:cNvSpPr txBox="1"/>
-          <p:nvPr/>
-        </p:nvSpPr>
-        <p:spPr>
-          <a:xfrm>
-            <a:off x="2340077" y="680804"/>
-            <a:ext cx="7200000" cy="4985980"/>
-          </a:xfrm>
-          <a:prstGeom prst="rect">
-            <a:avLst/>
-          </a:prstGeom>
-          <a:noFill/>
-        </p:spPr>
-        <p:txBody>
-          <a:bodyPr wrap="square" rtlCol="0">
-            <a:spAutoFit/>
-          </a:bodyPr>
-          <a:lstStyle/>
-          <a:p>
-            <a:pPr marL="457200" indent="-457200" algn="just">
-              <a:spcBef>
-                <a:spcPts val="1200"/>
-              </a:spcBef>
-              <a:buFont typeface="+mj-lt"/>
-              <a:buAutoNum type="arabicPeriod" startAt="18"/>
-            </a:pPr>
-            <a:r>
-              <a:rPr lang="ru-RU" sz="2400" b="1" dirty="0">
-                <a:solidFill>
-                  <a:srgbClr val="1D3461"/>
-                </a:solidFill>
-                <a:latin typeface="Calibri" panose="020F0502020204030204" pitchFamily="34" charset="0"/>
-                <a:cs typeface="Calibri" panose="020F0502020204030204" pitchFamily="34" charset="0"/>
-              </a:rPr>
-              <a:t>Игра заканчивается тогда, когда один из игроков не может сделать ход (то есть не может сделать все три требуемые действия)</a:t>
-            </a:r>
-          </a:p>
-          <a:p>
-            <a:pPr marL="457200" indent="-457200" algn="just">
-              <a:spcBef>
-                <a:spcPts val="1200"/>
-              </a:spcBef>
-              <a:buFont typeface="+mj-lt"/>
-              <a:buAutoNum type="arabicPeriod" startAt="18"/>
-            </a:pPr>
-            <a:r>
-              <a:rPr lang="ru-RU" sz="2400" b="1" dirty="0">
-                <a:solidFill>
-                  <a:srgbClr val="1D3461"/>
-                </a:solidFill>
-                <a:latin typeface="Calibri" panose="020F0502020204030204" pitchFamily="34" charset="0"/>
-                <a:cs typeface="Calibri" panose="020F0502020204030204" pitchFamily="34" charset="0"/>
-              </a:rPr>
-              <a:t>Если один из игроков не может сделать ход, второй игрок получает право делать ходы до полного заполнения поля (то есть до ситуации, когда и он не сможет сделать ход)</a:t>
-            </a:r>
-          </a:p>
-          <a:p>
-            <a:pPr marL="457200" indent="-457200" algn="just">
-              <a:spcBef>
-                <a:spcPts val="1200"/>
-              </a:spcBef>
-              <a:buFont typeface="+mj-lt"/>
-              <a:buAutoNum type="arabicPeriod" startAt="18"/>
-            </a:pPr>
-            <a:r>
-              <a:rPr lang="ru-RU" sz="2400" b="1" dirty="0">
-                <a:solidFill>
-                  <a:srgbClr val="1D3461"/>
-                </a:solidFill>
-                <a:latin typeface="Calibri" panose="020F0502020204030204" pitchFamily="34" charset="0"/>
-                <a:cs typeface="Calibri" panose="020F0502020204030204" pitchFamily="34" charset="0"/>
-              </a:rPr>
-              <a:t>Победителем признается игрок, площадь колонии которого больше</a:t>
-            </a:r>
-          </a:p>
-          <a:p>
-            <a:pPr marL="457200" indent="-457200" algn="just">
-              <a:spcBef>
-                <a:spcPts val="1200"/>
-              </a:spcBef>
-              <a:buFont typeface="+mj-lt"/>
-              <a:buAutoNum type="arabicPeriod" startAt="18"/>
-            </a:pPr>
-            <a:r>
-              <a:rPr lang="ru-RU" sz="2400" b="1" dirty="0">
-                <a:solidFill>
-                  <a:srgbClr val="1D3461"/>
-                </a:solidFill>
-                <a:latin typeface="Calibri" panose="020F0502020204030204" pitchFamily="34" charset="0"/>
-                <a:cs typeface="Calibri" panose="020F0502020204030204" pitchFamily="34" charset="0"/>
-              </a:rPr>
-              <a:t>В ситуации, когда один из игроков не может сделать ход, данное приложение автоматически определит победителя и завершит игру</a:t>
-            </a:r>
-          </a:p>
-        </p:txBody>
-      </p:sp>
-    </p:spTree>
-    <p:extLst>
-      <p:ext uri="{BB962C8B-B14F-4D97-AF65-F5344CB8AC3E}">
-        <p14:creationId xmlns:p14="http://schemas.microsoft.com/office/powerpoint/2010/main" val="2655300340"/>
-      </p:ext>
-    </p:extLst>
-  </p:cSld>
-  <p:clrMapOvr>
-    <a:masterClrMapping/>
-  </p:clrMapOvr>
-</p:sld>
-</file>
-
-<file path=ppt/slides/slide11.xml><?xml version="1.0" encoding="utf-8"?>
 <p:sld xmlns:a="http://schemas.openxmlformats.org/drawingml/2006/main" xmlns:r="http://schemas.openxmlformats.org/officeDocument/2006/relationships" xmlns:p="http://schemas.openxmlformats.org/presentationml/2006/main">
   <p:cSld>
     <p:spTree>
@@ -7007,7 +6819,7 @@
         <p:spPr>
           <a:xfrm>
             <a:off x="2340077" y="680804"/>
-            <a:ext cx="7200000" cy="5570756"/>
+            <a:ext cx="7200000" cy="4985980"/>
           </a:xfrm>
           <a:prstGeom prst="rect">
             <a:avLst/>
@@ -7035,7 +6847,7 @@
                 <a:latin typeface="Calibri" panose="020F0502020204030204" pitchFamily="34" charset="0"/>
                 <a:cs typeface="Calibri" panose="020F0502020204030204" pitchFamily="34" charset="0"/>
               </a:rPr>
-              <a:t>Первое действие первого хода синего игрока, то есть постановку крестика в левый верхний угол поля программа выполняет автоматически, так как это единственное возможное действие. Аналогично происходит постановка красного крестика в правый нижний угол поля как единственное возможное действие красного игрока</a:t>
+              <a:t>Игра заканчивается тогда, когда один из игроков не может сделать ход (то есть не может сделать все три требуемые действия)</a:t>
             </a:r>
           </a:p>
           <a:p>
@@ -7054,7 +6866,7 @@
                 <a:latin typeface="Calibri" panose="020F0502020204030204" pitchFamily="34" charset="0"/>
                 <a:cs typeface="Calibri" panose="020F0502020204030204" pitchFamily="34" charset="0"/>
               </a:rPr>
-              <a:t>Целью игры является создание колонии максимальной площади (в том числе путем уничтожения крестиков противника и превращения их в свои крепости)</a:t>
+              <a:t>Если один из игроков не может сделать ход, второй игрок получает право делать ходы до полного заполнения поля (то есть до ситуации, когда и он не сможет сделать ход)</a:t>
             </a:r>
           </a:p>
           <a:p>
@@ -7073,7 +6885,26 @@
                 <a:latin typeface="Calibri" panose="020F0502020204030204" pitchFamily="34" charset="0"/>
                 <a:cs typeface="Calibri" panose="020F0502020204030204" pitchFamily="34" charset="0"/>
               </a:rPr>
-              <a:t>Площадью колонии игрока является суммарное количество крестиков и крепостей этого игрока</a:t>
+              <a:t>Победителем признается игрок, площадь колонии которого больше</a:t>
+            </a:r>
+          </a:p>
+          <a:p>
+            <a:pPr marL="457200" indent="-457200" algn="just">
+              <a:spcBef>
+                <a:spcPts val="1200"/>
+              </a:spcBef>
+              <a:buFont typeface="+mj-lt"/>
+              <a:buAutoNum type="arabicPeriod" startAt="15"/>
+            </a:pPr>
+            <a:r>
+              <a:rPr lang="ru-RU" sz="2400" b="1" dirty="0">
+                <a:solidFill>
+                  <a:srgbClr val="1D3461"/>
+                </a:solidFill>
+                <a:latin typeface="Calibri" panose="020F0502020204030204" pitchFamily="34" charset="0"/>
+                <a:cs typeface="Calibri" panose="020F0502020204030204" pitchFamily="34" charset="0"/>
+              </a:rPr>
+              <a:t>В ситуации, когда один из игроков не может сделать ход, данное приложение автоматически определит победителя и завершит игру</a:t>
             </a:r>
           </a:p>
         </p:txBody>
@@ -7081,7 +6912,7 @@
     </p:spTree>
     <p:extLst>
       <p:ext uri="{BB962C8B-B14F-4D97-AF65-F5344CB8AC3E}">
-        <p14:creationId xmlns:p14="http://schemas.microsoft.com/office/powerpoint/2010/main" val="2880272267"/>
+        <p14:creationId xmlns:p14="http://schemas.microsoft.com/office/powerpoint/2010/main" val="2655300340"/>
       </p:ext>
     </p:extLst>
   </p:cSld>
